--- a/output/intermediate-files/methPCA/5x-100xCpG_Methylation.pptx
+++ b/output/intermediate-files/methPCA/5x-100xCpG_Methylation.pptx
@@ -270,7 +270,7 @@
           <a:p>
             <a:fld id="{35F7262C-74C6-C34D-BA3D-2D88375D40C9}" type="datetimeFigureOut">
               <a:rPr lang="en-US" smtClean="0"/>
-              <a:t>9/25/20</a:t>
+              <a:t>10/6/20</a:t>
             </a:fld>
             <a:endParaRPr lang="en-US"/>
           </a:p>
@@ -468,7 +468,7 @@
           <a:p>
             <a:fld id="{35F7262C-74C6-C34D-BA3D-2D88375D40C9}" type="datetimeFigureOut">
               <a:rPr lang="en-US" smtClean="0"/>
-              <a:t>9/25/20</a:t>
+              <a:t>10/6/20</a:t>
             </a:fld>
             <a:endParaRPr lang="en-US"/>
           </a:p>
@@ -676,7 +676,7 @@
           <a:p>
             <a:fld id="{35F7262C-74C6-C34D-BA3D-2D88375D40C9}" type="datetimeFigureOut">
               <a:rPr lang="en-US" smtClean="0"/>
-              <a:t>9/25/20</a:t>
+              <a:t>10/6/20</a:t>
             </a:fld>
             <a:endParaRPr lang="en-US"/>
           </a:p>
@@ -874,7 +874,7 @@
           <a:p>
             <a:fld id="{35F7262C-74C6-C34D-BA3D-2D88375D40C9}" type="datetimeFigureOut">
               <a:rPr lang="en-US" smtClean="0"/>
-              <a:t>9/25/20</a:t>
+              <a:t>10/6/20</a:t>
             </a:fld>
             <a:endParaRPr lang="en-US"/>
           </a:p>
@@ -1149,7 +1149,7 @@
           <a:p>
             <a:fld id="{35F7262C-74C6-C34D-BA3D-2D88375D40C9}" type="datetimeFigureOut">
               <a:rPr lang="en-US" smtClean="0"/>
-              <a:t>9/25/20</a:t>
+              <a:t>10/6/20</a:t>
             </a:fld>
             <a:endParaRPr lang="en-US"/>
           </a:p>
@@ -1414,7 +1414,7 @@
           <a:p>
             <a:fld id="{35F7262C-74C6-C34D-BA3D-2D88375D40C9}" type="datetimeFigureOut">
               <a:rPr lang="en-US" smtClean="0"/>
-              <a:t>9/25/20</a:t>
+              <a:t>10/6/20</a:t>
             </a:fld>
             <a:endParaRPr lang="en-US"/>
           </a:p>
@@ -1826,7 +1826,7 @@
           <a:p>
             <a:fld id="{35F7262C-74C6-C34D-BA3D-2D88375D40C9}" type="datetimeFigureOut">
               <a:rPr lang="en-US" smtClean="0"/>
-              <a:t>9/25/20</a:t>
+              <a:t>10/6/20</a:t>
             </a:fld>
             <a:endParaRPr lang="en-US"/>
           </a:p>
@@ -1967,7 +1967,7 @@
           <a:p>
             <a:fld id="{35F7262C-74C6-C34D-BA3D-2D88375D40C9}" type="datetimeFigureOut">
               <a:rPr lang="en-US" smtClean="0"/>
-              <a:t>9/25/20</a:t>
+              <a:t>10/6/20</a:t>
             </a:fld>
             <a:endParaRPr lang="en-US"/>
           </a:p>
@@ -2080,7 +2080,7 @@
           <a:p>
             <a:fld id="{35F7262C-74C6-C34D-BA3D-2D88375D40C9}" type="datetimeFigureOut">
               <a:rPr lang="en-US" smtClean="0"/>
-              <a:t>9/25/20</a:t>
+              <a:t>10/6/20</a:t>
             </a:fld>
             <a:endParaRPr lang="en-US"/>
           </a:p>
@@ -2391,7 +2391,7 @@
           <a:p>
             <a:fld id="{35F7262C-74C6-C34D-BA3D-2D88375D40C9}" type="datetimeFigureOut">
               <a:rPr lang="en-US" smtClean="0"/>
-              <a:t>9/25/20</a:t>
+              <a:t>10/6/20</a:t>
             </a:fld>
             <a:endParaRPr lang="en-US"/>
           </a:p>
@@ -2679,7 +2679,7 @@
           <a:p>
             <a:fld id="{35F7262C-74C6-C34D-BA3D-2D88375D40C9}" type="datetimeFigureOut">
               <a:rPr lang="en-US" smtClean="0"/>
-              <a:t>9/25/20</a:t>
+              <a:t>10/6/20</a:t>
             </a:fld>
             <a:endParaRPr lang="en-US"/>
           </a:p>
@@ -2920,7 +2920,7 @@
           <a:p>
             <a:fld id="{35F7262C-74C6-C34D-BA3D-2D88375D40C9}" type="datetimeFigureOut">
               <a:rPr lang="en-US" smtClean="0"/>
-              <a:t>9/25/20</a:t>
+              <a:t>10/6/20</a:t>
             </a:fld>
             <a:endParaRPr lang="en-US"/>
           </a:p>
@@ -3337,110 +3337,12 @@
           <a:chExt cx="0" cy="0"/>
         </a:xfrm>
       </p:grpSpPr>
-      <p:sp>
-        <p:nvSpPr>
-          <p:cNvPr id="6" name="TextBox 5">
-            <a:extLst>
-              <a:ext uri="{FF2B5EF4-FFF2-40B4-BE49-F238E27FC236}">
-                <a16:creationId xmlns:a16="http://schemas.microsoft.com/office/drawing/2014/main" id="{06A7685D-D8EA-784C-A8D4-7A8FDAB04DAB}"/>
-              </a:ext>
-            </a:extLst>
-          </p:cNvPr>
-          <p:cNvSpPr txBox="1"/>
-          <p:nvPr/>
-        </p:nvSpPr>
-        <p:spPr>
-          <a:xfrm rot="16200000">
-            <a:off x="-310498" y="1546357"/>
-            <a:ext cx="936475" cy="276999"/>
-          </a:xfrm>
-          <a:prstGeom prst="rect">
-            <a:avLst/>
-          </a:prstGeom>
-          <a:noFill/>
-        </p:spPr>
-        <p:txBody>
-          <a:bodyPr wrap="none" rtlCol="0">
-            <a:spAutoFit/>
-          </a:bodyPr>
-          <a:lstStyle/>
-          <a:p>
-            <a:r>
-              <a:rPr lang="en-US" sz="1200" i="1" dirty="0">
-                <a:latin typeface="Arial" panose="020B0604020202020204" pitchFamily="34" charset="0"/>
-                <a:cs typeface="Arial" panose="020B0604020202020204" pitchFamily="34" charset="0"/>
-              </a:rPr>
-              <a:t>M. </a:t>
-            </a:r>
-            <a:r>
-              <a:rPr lang="en-US" sz="1200" i="1" dirty="0" err="1">
-                <a:latin typeface="Arial" panose="020B0604020202020204" pitchFamily="34" charset="0"/>
-                <a:cs typeface="Arial" panose="020B0604020202020204" pitchFamily="34" charset="0"/>
-              </a:rPr>
-              <a:t>capitata</a:t>
-            </a:r>
-            <a:endParaRPr lang="en-US" sz="1200" i="1" dirty="0">
-              <a:latin typeface="Arial" panose="020B0604020202020204" pitchFamily="34" charset="0"/>
-              <a:cs typeface="Arial" panose="020B0604020202020204" pitchFamily="34" charset="0"/>
-            </a:endParaRPr>
-          </a:p>
-        </p:txBody>
-      </p:sp>
-      <p:sp>
-        <p:nvSpPr>
-          <p:cNvPr id="7" name="TextBox 6">
-            <a:extLst>
-              <a:ext uri="{FF2B5EF4-FFF2-40B4-BE49-F238E27FC236}">
-                <a16:creationId xmlns:a16="http://schemas.microsoft.com/office/drawing/2014/main" id="{715EDF00-D066-3846-803C-E6E19BABAA96}"/>
-              </a:ext>
-            </a:extLst>
-          </p:cNvPr>
-          <p:cNvSpPr txBox="1"/>
-          <p:nvPr/>
-        </p:nvSpPr>
-        <p:spPr>
-          <a:xfrm rot="16200000">
-            <a:off x="-206816" y="4427670"/>
-            <a:ext cx="729110" cy="276999"/>
-          </a:xfrm>
-          <a:prstGeom prst="rect">
-            <a:avLst/>
-          </a:prstGeom>
-          <a:noFill/>
-        </p:spPr>
-        <p:txBody>
-          <a:bodyPr wrap="none" rtlCol="0">
-            <a:spAutoFit/>
-          </a:bodyPr>
-          <a:lstStyle/>
-          <a:p>
-            <a:r>
-              <a:rPr lang="en-US" sz="1200" i="1" dirty="0">
-                <a:latin typeface="Arial" panose="020B0604020202020204" pitchFamily="34" charset="0"/>
-                <a:cs typeface="Arial" panose="020B0604020202020204" pitchFamily="34" charset="0"/>
-              </a:rPr>
-              <a:t>P. </a:t>
-            </a:r>
-            <a:r>
-              <a:rPr lang="en-US" sz="1200" i="1" dirty="0" err="1">
-                <a:latin typeface="Arial" panose="020B0604020202020204" pitchFamily="34" charset="0"/>
-                <a:cs typeface="Arial" panose="020B0604020202020204" pitchFamily="34" charset="0"/>
-              </a:rPr>
-              <a:t>acuta</a:t>
-            </a:r>
-            <a:endParaRPr lang="en-US" sz="1200" i="1" dirty="0">
-              <a:latin typeface="Arial" panose="020B0604020202020204" pitchFamily="34" charset="0"/>
-              <a:cs typeface="Arial" panose="020B0604020202020204" pitchFamily="34" charset="0"/>
-            </a:endParaRPr>
-          </a:p>
-        </p:txBody>
-      </p:sp>
       <p:pic>
         <p:nvPicPr>
-          <p:cNvPr id="9" name="Picture 8" descr="Chart, calendar, scatter chart&#10;&#10;Description automatically generated">
-            <a:extLst>
-              <a:ext uri="{FF2B5EF4-FFF2-40B4-BE49-F238E27FC236}">
-                <a16:creationId xmlns:a16="http://schemas.microsoft.com/office/drawing/2014/main" id="{211AE44B-9F10-8C4C-B438-BEFDBD62B21F}"/>
+          <p:cNvPr id="3" name="Picture 2" descr="Calendar&#10;&#10;Description automatically generated">
+            <a:extLst>
+              <a:ext uri="{FF2B5EF4-FFF2-40B4-BE49-F238E27FC236}">
+                <a16:creationId xmlns:a16="http://schemas.microsoft.com/office/drawing/2014/main" id="{916ACC7F-395F-EE47-93CC-F396AF4F44F1}"/>
               </a:ext>
             </a:extLst>
           </p:cNvPr>
@@ -3457,14 +3359,112 @@
         </p:blipFill>
         <p:spPr>
           <a:xfrm>
-            <a:off x="296239" y="0"/>
-            <a:ext cx="11534179" cy="6151562"/>
+            <a:off x="296237" y="0"/>
+            <a:ext cx="11811177" cy="6299294"/>
           </a:xfrm>
           <a:prstGeom prst="rect">
             <a:avLst/>
           </a:prstGeom>
         </p:spPr>
       </p:pic>
+      <p:sp>
+        <p:nvSpPr>
+          <p:cNvPr id="6" name="TextBox 5">
+            <a:extLst>
+              <a:ext uri="{FF2B5EF4-FFF2-40B4-BE49-F238E27FC236}">
+                <a16:creationId xmlns:a16="http://schemas.microsoft.com/office/drawing/2014/main" id="{06A7685D-D8EA-784C-A8D4-7A8FDAB04DAB}"/>
+              </a:ext>
+            </a:extLst>
+          </p:cNvPr>
+          <p:cNvSpPr txBox="1"/>
+          <p:nvPr/>
+        </p:nvSpPr>
+        <p:spPr>
+          <a:xfrm rot="16200000">
+            <a:off x="-310498" y="1546357"/>
+            <a:ext cx="936475" cy="276999"/>
+          </a:xfrm>
+          <a:prstGeom prst="rect">
+            <a:avLst/>
+          </a:prstGeom>
+          <a:noFill/>
+        </p:spPr>
+        <p:txBody>
+          <a:bodyPr wrap="none" rtlCol="0">
+            <a:spAutoFit/>
+          </a:bodyPr>
+          <a:lstStyle/>
+          <a:p>
+            <a:r>
+              <a:rPr lang="en-US" sz="1200" i="1" dirty="0">
+                <a:latin typeface="Arial" panose="020B0604020202020204" pitchFamily="34" charset="0"/>
+                <a:cs typeface="Arial" panose="020B0604020202020204" pitchFamily="34" charset="0"/>
+              </a:rPr>
+              <a:t>M. </a:t>
+            </a:r>
+            <a:r>
+              <a:rPr lang="en-US" sz="1200" i="1" dirty="0" err="1">
+                <a:latin typeface="Arial" panose="020B0604020202020204" pitchFamily="34" charset="0"/>
+                <a:cs typeface="Arial" panose="020B0604020202020204" pitchFamily="34" charset="0"/>
+              </a:rPr>
+              <a:t>capitata</a:t>
+            </a:r>
+            <a:endParaRPr lang="en-US" sz="1200" i="1" dirty="0">
+              <a:latin typeface="Arial" panose="020B0604020202020204" pitchFamily="34" charset="0"/>
+              <a:cs typeface="Arial" panose="020B0604020202020204" pitchFamily="34" charset="0"/>
+            </a:endParaRPr>
+          </a:p>
+        </p:txBody>
+      </p:sp>
+      <p:sp>
+        <p:nvSpPr>
+          <p:cNvPr id="7" name="TextBox 6">
+            <a:extLst>
+              <a:ext uri="{FF2B5EF4-FFF2-40B4-BE49-F238E27FC236}">
+                <a16:creationId xmlns:a16="http://schemas.microsoft.com/office/drawing/2014/main" id="{715EDF00-D066-3846-803C-E6E19BABAA96}"/>
+              </a:ext>
+            </a:extLst>
+          </p:cNvPr>
+          <p:cNvSpPr txBox="1"/>
+          <p:nvPr/>
+        </p:nvSpPr>
+        <p:spPr>
+          <a:xfrm rot="16200000">
+            <a:off x="-206816" y="4427670"/>
+            <a:ext cx="729110" cy="276999"/>
+          </a:xfrm>
+          <a:prstGeom prst="rect">
+            <a:avLst/>
+          </a:prstGeom>
+          <a:noFill/>
+        </p:spPr>
+        <p:txBody>
+          <a:bodyPr wrap="none" rtlCol="0">
+            <a:spAutoFit/>
+          </a:bodyPr>
+          <a:lstStyle/>
+          <a:p>
+            <a:r>
+              <a:rPr lang="en-US" sz="1200" i="1" dirty="0">
+                <a:latin typeface="Arial" panose="020B0604020202020204" pitchFamily="34" charset="0"/>
+                <a:cs typeface="Arial" panose="020B0604020202020204" pitchFamily="34" charset="0"/>
+              </a:rPr>
+              <a:t>P. </a:t>
+            </a:r>
+            <a:r>
+              <a:rPr lang="en-US" sz="1200" i="1" dirty="0" err="1">
+                <a:latin typeface="Arial" panose="020B0604020202020204" pitchFamily="34" charset="0"/>
+                <a:cs typeface="Arial" panose="020B0604020202020204" pitchFamily="34" charset="0"/>
+              </a:rPr>
+              <a:t>acuta</a:t>
+            </a:r>
+            <a:endParaRPr lang="en-US" sz="1200" i="1" dirty="0">
+              <a:latin typeface="Arial" panose="020B0604020202020204" pitchFamily="34" charset="0"/>
+              <a:cs typeface="Arial" panose="020B0604020202020204" pitchFamily="34" charset="0"/>
+            </a:endParaRPr>
+          </a:p>
+        </p:txBody>
+      </p:sp>
     </p:spTree>
     <p:extLst>
       <p:ext uri="{BB962C8B-B14F-4D97-AF65-F5344CB8AC3E}">
